--- a/Documentation/PrezRTP/RESERVE TA PLACE.pptx
+++ b/Documentation/PrezRTP/RESERVE TA PLACE.pptx
@@ -5,7 +5,7 @@
     <p:sldMasterId id="2147483648" r:id="rId1"/>
   </p:sldMasterIdLst>
   <p:notesMasterIdLst>
-    <p:notesMasterId r:id="rId10"/>
+    <p:notesMasterId r:id="rId11"/>
   </p:notesMasterIdLst>
   <p:sldIdLst>
     <p:sldId id="256" r:id="rId2"/>
@@ -16,6 +16,7 @@
     <p:sldId id="261" r:id="rId7"/>
     <p:sldId id="262" r:id="rId8"/>
     <p:sldId id="263" r:id="rId9"/>
+    <p:sldId id="264" r:id="rId10"/>
   </p:sldIdLst>
   <p:sldSz cx="9144000" cy="6858000" type="screen4x3"/>
   <p:notesSz cx="6858000" cy="9144000"/>
@@ -199,7 +200,8 @@
           <a:p>
             <a:fld id="{9F819504-DA84-43F5-BD78-919D67E8D95A}" type="datetimeFigureOut">
               <a:rPr lang="fr-FR" smtClean="0"/>
-              <a:t>14/02/2022</a:t>
+              <a:pPr/>
+              <a:t>15/02/2022</a:t>
             </a:fld>
             <a:endParaRPr lang="fr-FR"/>
           </a:p>
@@ -360,6 +362,7 @@
           <a:p>
             <a:fld id="{C1EC26A2-B43B-437C-8B9F-29B0F0648CD9}" type="slidenum">
               <a:rPr lang="fr-FR" smtClean="0"/>
+              <a:pPr/>
               <a:t>‹N°›</a:t>
             </a:fld>
             <a:endParaRPr lang="fr-FR"/>
@@ -645,7 +648,8 @@
           <a:p>
             <a:fld id="{10012AD6-D2BA-48F1-BC24-F9562D5C85C9}" type="datetime1">
               <a:rPr lang="fr-FR" smtClean="0"/>
-              <a:t>14/02/2022</a:t>
+              <a:pPr/>
+              <a:t>15/02/2022</a:t>
             </a:fld>
             <a:endParaRPr lang="fr-FR"/>
           </a:p>
@@ -687,6 +691,7 @@
           <a:p>
             <a:fld id="{3F86CA54-967B-4268-A67C-51FF5C91BFEA}" type="slidenum">
               <a:rPr lang="fr-FR" smtClean="0"/>
+              <a:pPr/>
               <a:t>‹N°›</a:t>
             </a:fld>
             <a:endParaRPr lang="fr-FR"/>
@@ -810,7 +815,8 @@
           <a:p>
             <a:fld id="{E8CC557E-85C8-4515-9580-47CFB2B7D70B}" type="datetime1">
               <a:rPr lang="fr-FR" smtClean="0"/>
-              <a:t>14/02/2022</a:t>
+              <a:pPr/>
+              <a:t>15/02/2022</a:t>
             </a:fld>
             <a:endParaRPr lang="fr-FR"/>
           </a:p>
@@ -852,6 +858,7 @@
           <a:p>
             <a:fld id="{3F86CA54-967B-4268-A67C-51FF5C91BFEA}" type="slidenum">
               <a:rPr lang="fr-FR" smtClean="0"/>
+              <a:pPr/>
               <a:t>‹N°›</a:t>
             </a:fld>
             <a:endParaRPr lang="fr-FR"/>
@@ -985,7 +992,8 @@
           <a:p>
             <a:fld id="{2B5CEDBC-21E1-4F49-BF03-9C1103013945}" type="datetime1">
               <a:rPr lang="fr-FR" smtClean="0"/>
-              <a:t>14/02/2022</a:t>
+              <a:pPr/>
+              <a:t>15/02/2022</a:t>
             </a:fld>
             <a:endParaRPr lang="fr-FR"/>
           </a:p>
@@ -1027,6 +1035,7 @@
           <a:p>
             <a:fld id="{3F86CA54-967B-4268-A67C-51FF5C91BFEA}" type="slidenum">
               <a:rPr lang="fr-FR" smtClean="0"/>
+              <a:pPr/>
               <a:t>‹N°›</a:t>
             </a:fld>
             <a:endParaRPr lang="fr-FR"/>
@@ -1150,7 +1159,8 @@
           <a:p>
             <a:fld id="{BB8863D9-53DE-426F-8ECE-960EFBF3C168}" type="datetime1">
               <a:rPr lang="fr-FR" smtClean="0"/>
-              <a:t>14/02/2022</a:t>
+              <a:pPr/>
+              <a:t>15/02/2022</a:t>
             </a:fld>
             <a:endParaRPr lang="fr-FR"/>
           </a:p>
@@ -1192,6 +1202,7 @@
           <a:p>
             <a:fld id="{3F86CA54-967B-4268-A67C-51FF5C91BFEA}" type="slidenum">
               <a:rPr lang="fr-FR" smtClean="0"/>
+              <a:pPr/>
               <a:t>‹N°›</a:t>
             </a:fld>
             <a:endParaRPr lang="fr-FR"/>
@@ -1391,7 +1402,8 @@
           <a:p>
             <a:fld id="{56FE6755-F4DD-4035-BA5A-8817A214BE86}" type="datetime1">
               <a:rPr lang="fr-FR" smtClean="0"/>
-              <a:t>14/02/2022</a:t>
+              <a:pPr/>
+              <a:t>15/02/2022</a:t>
             </a:fld>
             <a:endParaRPr lang="fr-FR"/>
           </a:p>
@@ -1433,6 +1445,7 @@
           <a:p>
             <a:fld id="{3F86CA54-967B-4268-A67C-51FF5C91BFEA}" type="slidenum">
               <a:rPr lang="fr-FR" smtClean="0"/>
+              <a:pPr/>
               <a:t>‹N°›</a:t>
             </a:fld>
             <a:endParaRPr lang="fr-FR"/>
@@ -1674,7 +1687,8 @@
           <a:p>
             <a:fld id="{3BA987AE-3654-4A75-8A2E-7C2A21810A22}" type="datetime1">
               <a:rPr lang="fr-FR" smtClean="0"/>
-              <a:t>14/02/2022</a:t>
+              <a:pPr/>
+              <a:t>15/02/2022</a:t>
             </a:fld>
             <a:endParaRPr lang="fr-FR"/>
           </a:p>
@@ -1716,6 +1730,7 @@
           <a:p>
             <a:fld id="{3F86CA54-967B-4268-A67C-51FF5C91BFEA}" type="slidenum">
               <a:rPr lang="fr-FR" smtClean="0"/>
+              <a:pPr/>
               <a:t>‹N°›</a:t>
             </a:fld>
             <a:endParaRPr lang="fr-FR"/>
@@ -2091,7 +2106,8 @@
           <a:p>
             <a:fld id="{94F9B13D-B65E-4126-BB87-EDB87E4E570C}" type="datetime1">
               <a:rPr lang="fr-FR" smtClean="0"/>
-              <a:t>14/02/2022</a:t>
+              <a:pPr/>
+              <a:t>15/02/2022</a:t>
             </a:fld>
             <a:endParaRPr lang="fr-FR"/>
           </a:p>
@@ -2133,6 +2149,7 @@
           <a:p>
             <a:fld id="{3F86CA54-967B-4268-A67C-51FF5C91BFEA}" type="slidenum">
               <a:rPr lang="fr-FR" smtClean="0"/>
+              <a:pPr/>
               <a:t>‹N°›</a:t>
             </a:fld>
             <a:endParaRPr lang="fr-FR"/>
@@ -2204,7 +2221,8 @@
           <a:p>
             <a:fld id="{249D5D09-D010-4020-8563-120BF5DE2DFE}" type="datetime1">
               <a:rPr lang="fr-FR" smtClean="0"/>
-              <a:t>14/02/2022</a:t>
+              <a:pPr/>
+              <a:t>15/02/2022</a:t>
             </a:fld>
             <a:endParaRPr lang="fr-FR"/>
           </a:p>
@@ -2246,6 +2264,7 @@
           <a:p>
             <a:fld id="{3F86CA54-967B-4268-A67C-51FF5C91BFEA}" type="slidenum">
               <a:rPr lang="fr-FR" smtClean="0"/>
+              <a:pPr/>
               <a:t>‹N°›</a:t>
             </a:fld>
             <a:endParaRPr lang="fr-FR"/>
@@ -2294,7 +2313,8 @@
           <a:p>
             <a:fld id="{4DF01DE2-CE5E-45D5-BC27-20BF925F573A}" type="datetime1">
               <a:rPr lang="fr-FR" smtClean="0"/>
-              <a:t>14/02/2022</a:t>
+              <a:pPr/>
+              <a:t>15/02/2022</a:t>
             </a:fld>
             <a:endParaRPr lang="fr-FR"/>
           </a:p>
@@ -2336,6 +2356,7 @@
           <a:p>
             <a:fld id="{3F86CA54-967B-4268-A67C-51FF5C91BFEA}" type="slidenum">
               <a:rPr lang="fr-FR" smtClean="0"/>
+              <a:pPr/>
               <a:t>‹N°›</a:t>
             </a:fld>
             <a:endParaRPr lang="fr-FR"/>
@@ -2566,7 +2587,8 @@
           <a:p>
             <a:fld id="{8FD87E21-05EF-463A-944B-0EE81790418C}" type="datetime1">
               <a:rPr lang="fr-FR" smtClean="0"/>
-              <a:t>14/02/2022</a:t>
+              <a:pPr/>
+              <a:t>15/02/2022</a:t>
             </a:fld>
             <a:endParaRPr lang="fr-FR"/>
           </a:p>
@@ -2608,6 +2630,7 @@
           <a:p>
             <a:fld id="{3F86CA54-967B-4268-A67C-51FF5C91BFEA}" type="slidenum">
               <a:rPr lang="fr-FR" smtClean="0"/>
+              <a:pPr/>
               <a:t>‹N°›</a:t>
             </a:fld>
             <a:endParaRPr lang="fr-FR"/>
@@ -2814,7 +2837,8 @@
           <a:p>
             <a:fld id="{DD7A4D71-C4AF-4A59-8D81-B7B3026ECB51}" type="datetime1">
               <a:rPr lang="fr-FR" smtClean="0"/>
-              <a:t>14/02/2022</a:t>
+              <a:pPr/>
+              <a:t>15/02/2022</a:t>
             </a:fld>
             <a:endParaRPr lang="fr-FR"/>
           </a:p>
@@ -2856,6 +2880,7 @@
           <a:p>
             <a:fld id="{3F86CA54-967B-4268-A67C-51FF5C91BFEA}" type="slidenum">
               <a:rPr lang="fr-FR" smtClean="0"/>
+              <a:pPr/>
               <a:t>‹N°›</a:t>
             </a:fld>
             <a:endParaRPr lang="fr-FR"/>
@@ -3022,7 +3047,8 @@
           <a:p>
             <a:fld id="{540A9759-16A6-4DF6-8D3C-4E530DF64B35}" type="datetime1">
               <a:rPr lang="fr-FR" smtClean="0"/>
-              <a:t>14/02/2022</a:t>
+              <a:pPr/>
+              <a:t>15/02/2022</a:t>
             </a:fld>
             <a:endParaRPr lang="fr-FR"/>
           </a:p>
@@ -3100,6 +3126,7 @@
           <a:p>
             <a:fld id="{3F86CA54-967B-4268-A67C-51FF5C91BFEA}" type="slidenum">
               <a:rPr lang="fr-FR" smtClean="0"/>
+              <a:pPr/>
               <a:t>‹N°›</a:t>
             </a:fld>
             <a:endParaRPr lang="fr-FR"/>
@@ -3475,6 +3502,7 @@
           <a:p>
             <a:fld id="{3F86CA54-967B-4268-A67C-51FF5C91BFEA}" type="slidenum">
               <a:rPr lang="fr-FR" smtClean="0"/>
+              <a:pPr/>
               <a:t>1</a:t>
             </a:fld>
             <a:endParaRPr lang="fr-FR"/>
@@ -3523,6 +3551,7 @@
           <a:p>
             <a:fld id="{3F86CA54-967B-4268-A67C-51FF5C91BFEA}" type="slidenum">
               <a:rPr lang="fr-FR" smtClean="0"/>
+              <a:pPr/>
               <a:t>2</a:t>
             </a:fld>
             <a:endParaRPr lang="fr-FR"/>
@@ -3961,6 +3990,7 @@
           <a:p>
             <a:fld id="{3F86CA54-967B-4268-A67C-51FF5C91BFEA}" type="slidenum">
               <a:rPr lang="fr-FR" smtClean="0"/>
+              <a:pPr/>
               <a:t>3</a:t>
             </a:fld>
             <a:endParaRPr lang="fr-FR"/>
@@ -4041,6 +4071,7 @@
           <a:p>
             <a:fld id="{3F86CA54-967B-4268-A67C-51FF5C91BFEA}" type="slidenum">
               <a:rPr lang="fr-FR" smtClean="0"/>
+              <a:pPr/>
               <a:t>4</a:t>
             </a:fld>
             <a:endParaRPr lang="fr-FR"/>
@@ -4123,6 +4154,7 @@
           <a:p>
             <a:fld id="{3F86CA54-967B-4268-A67C-51FF5C91BFEA}" type="slidenum">
               <a:rPr lang="fr-FR" smtClean="0"/>
+              <a:pPr/>
               <a:t>5</a:t>
             </a:fld>
             <a:endParaRPr lang="fr-FR"/>
@@ -4233,6 +4265,7 @@
           <a:p>
             <a:fld id="{3F86CA54-967B-4268-A67C-51FF5C91BFEA}" type="slidenum">
               <a:rPr lang="fr-FR" smtClean="0"/>
+              <a:pPr/>
               <a:t>6</a:t>
             </a:fld>
             <a:endParaRPr lang="fr-FR"/>
@@ -4307,6 +4340,7 @@
           <a:p>
             <a:fld id="{3F86CA54-967B-4268-A67C-51FF5C91BFEA}" type="slidenum">
               <a:rPr lang="fr-FR" smtClean="0"/>
+              <a:pPr/>
               <a:t>7</a:t>
             </a:fld>
             <a:endParaRPr lang="fr-FR"/>
@@ -4381,6 +4415,7 @@
           <a:p>
             <a:fld id="{3F86CA54-967B-4268-A67C-51FF5C91BFEA}" type="slidenum">
               <a:rPr lang="fr-FR" smtClean="0"/>
+              <a:pPr/>
               <a:t>8</a:t>
             </a:fld>
             <a:endParaRPr lang="fr-FR"/>
@@ -4411,6 +4446,120 @@
             <a:avLst/>
           </a:prstGeom>
           <a:noFill/>
+        </p:spPr>
+      </p:pic>
+    </p:spTree>
+  </p:cSld>
+  <p:clrMapOvr>
+    <a:masterClrMapping/>
+  </p:clrMapOvr>
+</p:sld>
+</file>
+
+<file path=ppt/slides/slide9.xml><?xml version="1.0" encoding="utf-8"?>
+<p:sld xmlns:a="http://schemas.openxmlformats.org/drawingml/2006/main" xmlns:r="http://schemas.openxmlformats.org/officeDocument/2006/relationships" xmlns:p="http://schemas.openxmlformats.org/presentationml/2006/main">
+  <p:cSld>
+    <p:spTree>
+      <p:nvGrpSpPr>
+        <p:cNvPr id="1" name=""/>
+        <p:cNvGrpSpPr/>
+        <p:nvPr/>
+      </p:nvGrpSpPr>
+      <p:grpSpPr>
+        <a:xfrm>
+          <a:off x="0" y="0"/>
+          <a:ext cx="0" cy="0"/>
+          <a:chOff x="0" y="0"/>
+          <a:chExt cx="0" cy="0"/>
+        </a:xfrm>
+      </p:grpSpPr>
+      <p:sp>
+        <p:nvSpPr>
+          <p:cNvPr id="2" name="Titre 1"/>
+          <p:cNvSpPr>
+            <a:spLocks noGrp="1"/>
+          </p:cNvSpPr>
+          <p:nvPr>
+            <p:ph type="title"/>
+          </p:nvPr>
+        </p:nvSpPr>
+        <p:spPr>
+          <a:xfrm>
+            <a:off x="457200" y="274638"/>
+            <a:ext cx="8229600" cy="418058"/>
+          </a:xfrm>
+        </p:spPr>
+        <p:txBody>
+          <a:bodyPr>
+            <a:normAutofit fontScale="90000"/>
+          </a:bodyPr>
+          <a:lstStyle/>
+          <a:p>
+            <a:r>
+              <a:rPr lang="fr-FR" dirty="0" smtClean="0"/>
+              <a:t>RTP DATABASE DIAGRAM</a:t>
+            </a:r>
+            <a:endParaRPr lang="fr-FR" dirty="0"/>
+          </a:p>
+        </p:txBody>
+      </p:sp>
+      <p:sp>
+        <p:nvSpPr>
+          <p:cNvPr id="4" name="Espace réservé du numéro de diapositive 3"/>
+          <p:cNvSpPr>
+            <a:spLocks noGrp="1"/>
+          </p:cNvSpPr>
+          <p:nvPr>
+            <p:ph type="sldNum" sz="quarter" idx="12"/>
+          </p:nvPr>
+        </p:nvSpPr>
+        <p:spPr/>
+        <p:txBody>
+          <a:bodyPr/>
+          <a:lstStyle/>
+          <a:p>
+            <a:fld id="{3F86CA54-967B-4268-A67C-51FF5C91BFEA}" type="slidenum">
+              <a:rPr lang="fr-FR" smtClean="0"/>
+              <a:pPr/>
+              <a:t>9</a:t>
+            </a:fld>
+            <a:endParaRPr lang="fr-FR"/>
+          </a:p>
+        </p:txBody>
+      </p:sp>
+      <p:pic>
+        <p:nvPicPr>
+          <p:cNvPr id="1027" name="Picture 3"/>
+          <p:cNvPicPr>
+            <a:picLocks noGrp="1" noChangeAspect="1" noChangeArrowheads="1"/>
+          </p:cNvPicPr>
+          <p:nvPr>
+            <p:ph idx="1"/>
+          </p:nvPr>
+        </p:nvPicPr>
+        <p:blipFill>
+          <a:blip r:embed="rId2" cstate="print"/>
+          <a:srcRect/>
+          <a:stretch>
+            <a:fillRect/>
+          </a:stretch>
+        </p:blipFill>
+        <p:spPr bwMode="auto">
+          <a:xfrm>
+            <a:off x="539552" y="908720"/>
+            <a:ext cx="7930254" cy="5505475"/>
+          </a:xfrm>
+          <a:prstGeom prst="rect">
+            <a:avLst/>
+          </a:prstGeom>
+          <a:noFill/>
+          <a:ln w="9525">
+            <a:noFill/>
+            <a:miter lim="800000"/>
+            <a:headEnd/>
+            <a:tailEnd/>
+          </a:ln>
+          <a:effectLst/>
         </p:spPr>
       </p:pic>
     </p:spTree>

--- a/Documentation/PrezRTP/RESERVE TA PLACE.pptx
+++ b/Documentation/PrezRTP/RESERVE TA PLACE.pptx
@@ -5,18 +5,19 @@
     <p:sldMasterId id="2147483648" r:id="rId1"/>
   </p:sldMasterIdLst>
   <p:notesMasterIdLst>
-    <p:notesMasterId r:id="rId11"/>
+    <p:notesMasterId r:id="rId12"/>
   </p:notesMasterIdLst>
   <p:sldIdLst>
     <p:sldId id="256" r:id="rId2"/>
     <p:sldId id="257" r:id="rId3"/>
     <p:sldId id="258" r:id="rId4"/>
-    <p:sldId id="259" r:id="rId5"/>
-    <p:sldId id="260" r:id="rId6"/>
-    <p:sldId id="261" r:id="rId7"/>
-    <p:sldId id="262" r:id="rId8"/>
-    <p:sldId id="263" r:id="rId9"/>
-    <p:sldId id="264" r:id="rId10"/>
+    <p:sldId id="265" r:id="rId5"/>
+    <p:sldId id="259" r:id="rId6"/>
+    <p:sldId id="260" r:id="rId7"/>
+    <p:sldId id="261" r:id="rId8"/>
+    <p:sldId id="262" r:id="rId9"/>
+    <p:sldId id="263" r:id="rId10"/>
+    <p:sldId id="264" r:id="rId11"/>
   </p:sldIdLst>
   <p:sldSz cx="9144000" cy="6858000" type="screen4x3"/>
   <p:notesSz cx="6858000" cy="9144000"/>
@@ -3517,6 +3518,120 @@
 </p:sld>
 </file>
 
+<file path=ppt/slides/slide10.xml><?xml version="1.0" encoding="utf-8"?>
+<p:sld xmlns:a="http://schemas.openxmlformats.org/drawingml/2006/main" xmlns:r="http://schemas.openxmlformats.org/officeDocument/2006/relationships" xmlns:p="http://schemas.openxmlformats.org/presentationml/2006/main">
+  <p:cSld>
+    <p:spTree>
+      <p:nvGrpSpPr>
+        <p:cNvPr id="1" name=""/>
+        <p:cNvGrpSpPr/>
+        <p:nvPr/>
+      </p:nvGrpSpPr>
+      <p:grpSpPr>
+        <a:xfrm>
+          <a:off x="0" y="0"/>
+          <a:ext cx="0" cy="0"/>
+          <a:chOff x="0" y="0"/>
+          <a:chExt cx="0" cy="0"/>
+        </a:xfrm>
+      </p:grpSpPr>
+      <p:sp>
+        <p:nvSpPr>
+          <p:cNvPr id="2" name="Titre 1"/>
+          <p:cNvSpPr>
+            <a:spLocks noGrp="1"/>
+          </p:cNvSpPr>
+          <p:nvPr>
+            <p:ph type="title"/>
+          </p:nvPr>
+        </p:nvSpPr>
+        <p:spPr>
+          <a:xfrm>
+            <a:off x="457200" y="274638"/>
+            <a:ext cx="8229600" cy="418058"/>
+          </a:xfrm>
+        </p:spPr>
+        <p:txBody>
+          <a:bodyPr>
+            <a:normAutofit fontScale="90000"/>
+          </a:bodyPr>
+          <a:lstStyle/>
+          <a:p>
+            <a:r>
+              <a:rPr lang="fr-FR" dirty="0" smtClean="0"/>
+              <a:t>RTP DATABASE DIAGRAM</a:t>
+            </a:r>
+            <a:endParaRPr lang="fr-FR" dirty="0"/>
+          </a:p>
+        </p:txBody>
+      </p:sp>
+      <p:sp>
+        <p:nvSpPr>
+          <p:cNvPr id="4" name="Espace réservé du numéro de diapositive 3"/>
+          <p:cNvSpPr>
+            <a:spLocks noGrp="1"/>
+          </p:cNvSpPr>
+          <p:nvPr>
+            <p:ph type="sldNum" sz="quarter" idx="12"/>
+          </p:nvPr>
+        </p:nvSpPr>
+        <p:spPr/>
+        <p:txBody>
+          <a:bodyPr/>
+          <a:lstStyle/>
+          <a:p>
+            <a:fld id="{3F86CA54-967B-4268-A67C-51FF5C91BFEA}" type="slidenum">
+              <a:rPr lang="fr-FR" smtClean="0"/>
+              <a:pPr/>
+              <a:t>10</a:t>
+            </a:fld>
+            <a:endParaRPr lang="fr-FR"/>
+          </a:p>
+        </p:txBody>
+      </p:sp>
+      <p:pic>
+        <p:nvPicPr>
+          <p:cNvPr id="1027" name="Picture 3"/>
+          <p:cNvPicPr>
+            <a:picLocks noGrp="1" noChangeAspect="1" noChangeArrowheads="1"/>
+          </p:cNvPicPr>
+          <p:nvPr>
+            <p:ph idx="1"/>
+          </p:nvPr>
+        </p:nvPicPr>
+        <p:blipFill>
+          <a:blip r:embed="rId2" cstate="print"/>
+          <a:srcRect/>
+          <a:stretch>
+            <a:fillRect/>
+          </a:stretch>
+        </p:blipFill>
+        <p:spPr bwMode="auto">
+          <a:xfrm>
+            <a:off x="539552" y="908720"/>
+            <a:ext cx="7930254" cy="5505475"/>
+          </a:xfrm>
+          <a:prstGeom prst="rect">
+            <a:avLst/>
+          </a:prstGeom>
+          <a:noFill/>
+          <a:ln w="9525">
+            <a:noFill/>
+            <a:miter lim="800000"/>
+            <a:headEnd/>
+            <a:tailEnd/>
+          </a:ln>
+          <a:effectLst/>
+        </p:spPr>
+      </p:pic>
+    </p:spTree>
+  </p:cSld>
+  <p:clrMapOvr>
+    <a:masterClrMapping/>
+  </p:clrMapOvr>
+</p:sld>
+</file>
+
 <file path=ppt/slides/slide2.xml><?xml version="1.0" encoding="utf-8"?>
 <p:sld xmlns:a="http://schemas.openxmlformats.org/drawingml/2006/main" xmlns:r="http://schemas.openxmlformats.org/officeDocument/2006/relationships" xmlns:p="http://schemas.openxmlformats.org/presentationml/2006/main">
   <p:cSld>
@@ -4056,6 +4171,36 @@
       </p:grpSpPr>
       <p:sp>
         <p:nvSpPr>
+          <p:cNvPr id="2" name="Titre 1"/>
+          <p:cNvSpPr>
+            <a:spLocks noGrp="1"/>
+          </p:cNvSpPr>
+          <p:nvPr>
+            <p:ph type="title"/>
+          </p:nvPr>
+        </p:nvSpPr>
+        <p:spPr>
+          <a:xfrm>
+            <a:off x="457200" y="274638"/>
+            <a:ext cx="8229600" cy="562074"/>
+          </a:xfrm>
+        </p:spPr>
+        <p:txBody>
+          <a:bodyPr>
+            <a:normAutofit fontScale="90000"/>
+          </a:bodyPr>
+          <a:lstStyle/>
+          <a:p>
+            <a:r>
+              <a:rPr lang="fr-FR" dirty="0" smtClean="0"/>
+              <a:t>RTP USE CASE DIAGRAM</a:t>
+            </a:r>
+            <a:endParaRPr lang="fr-FR" dirty="0"/>
+          </a:p>
+        </p:txBody>
+      </p:sp>
+      <p:sp>
+        <p:nvSpPr>
           <p:cNvPr id="4" name="Espace réservé du numéro de diapositive 3"/>
           <p:cNvSpPr>
             <a:spLocks noGrp="1"/>
@@ -4080,7 +4225,7 @@
       </p:sp>
       <p:pic>
         <p:nvPicPr>
-          <p:cNvPr id="3076" name="Picture 4"/>
+          <p:cNvPr id="1026" name="Picture 2"/>
           <p:cNvPicPr>
             <a:picLocks noGrp="1" noChangeAspect="1" noChangeArrowheads="1"/>
           </p:cNvPicPr>
@@ -4097,8 +4242,8 @@
         </p:blipFill>
         <p:spPr bwMode="auto">
           <a:xfrm>
-            <a:off x="827088" y="892810"/>
-            <a:ext cx="7759700" cy="4785042"/>
+            <a:off x="2526248" y="1052736"/>
+            <a:ext cx="3917960" cy="5382476"/>
           </a:xfrm>
           <a:prstGeom prst="rect">
             <a:avLst/>
@@ -4163,11 +4308,13 @@
       </p:sp>
       <p:pic>
         <p:nvPicPr>
-          <p:cNvPr id="4098" name="Picture 2"/>
+          <p:cNvPr id="3076" name="Picture 4"/>
           <p:cNvPicPr>
-            <a:picLocks noChangeAspect="1" noChangeArrowheads="1"/>
+            <a:picLocks noGrp="1" noChangeAspect="1" noChangeArrowheads="1"/>
           </p:cNvPicPr>
-          <p:nvPr/>
+          <p:nvPr>
+            <p:ph idx="1"/>
+          </p:nvPr>
         </p:nvPicPr>
         <p:blipFill>
           <a:blip r:embed="rId2" cstate="print"/>
@@ -4178,8 +4325,8 @@
         </p:blipFill>
         <p:spPr bwMode="auto">
           <a:xfrm>
-            <a:off x="0" y="1016000"/>
-            <a:ext cx="9144000" cy="4826000"/>
+            <a:off x="827088" y="892810"/>
+            <a:ext cx="7759700" cy="4785042"/>
           </a:xfrm>
           <a:prstGeom prst="rect">
             <a:avLst/>
@@ -4195,31 +4342,31 @@
       </p:pic>
       <p:sp>
         <p:nvSpPr>
-          <p:cNvPr id="6" name="ZoneTexte 5"/>
-          <p:cNvSpPr txBox="1"/>
-          <p:nvPr/>
+          <p:cNvPr id="5" name="Titre 1"/>
+          <p:cNvSpPr>
+            <a:spLocks noGrp="1"/>
+          </p:cNvSpPr>
+          <p:nvPr>
+            <p:ph type="title"/>
+          </p:nvPr>
         </p:nvSpPr>
         <p:spPr>
           <a:xfrm>
-            <a:off x="3419872" y="188640"/>
-            <a:ext cx="2635017" cy="461665"/>
-          </a:xfrm>
-          <a:prstGeom prst="rect">
-            <a:avLst/>
-          </a:prstGeom>
-          <a:noFill/>
-        </p:spPr>
-        <p:txBody>
-          <a:bodyPr wrap="none" rtlCol="0">
-            <a:spAutoFit/>
+            <a:off x="457200" y="274638"/>
+            <a:ext cx="8229600" cy="562074"/>
+          </a:xfrm>
+        </p:spPr>
+        <p:txBody>
+          <a:bodyPr>
+            <a:normAutofit fontScale="90000"/>
           </a:bodyPr>
           <a:lstStyle/>
           <a:p>
             <a:r>
-              <a:rPr lang="fr-FR" sz="2400" b="1" dirty="0" smtClean="0"/>
-              <a:t>RTP GANTT CHART </a:t>
-            </a:r>
-            <a:endParaRPr lang="fr-FR" sz="2400" b="1" dirty="0"/>
+              <a:rPr lang="fr-FR" dirty="0" smtClean="0"/>
+              <a:t>RTP USE CASE DIAGRAM</a:t>
+            </a:r>
+            <a:endParaRPr lang="fr-FR" dirty="0"/>
           </a:p>
         </p:txBody>
       </p:sp>
@@ -4274,7 +4421,7 @@
       </p:sp>
       <p:pic>
         <p:nvPicPr>
-          <p:cNvPr id="5122" name="Picture 2" descr="C:\Users\perso\Desktop\PrezRTP\ArchiDiagram.drawio.png"/>
+          <p:cNvPr id="4098" name="Picture 2"/>
           <p:cNvPicPr>
             <a:picLocks noChangeAspect="1" noChangeArrowheads="1"/>
           </p:cNvPicPr>
@@ -4289,15 +4436,51 @@
         </p:blipFill>
         <p:spPr bwMode="auto">
           <a:xfrm>
-            <a:off x="755576" y="620688"/>
-            <a:ext cx="7677150" cy="4057650"/>
+            <a:off x="0" y="1016000"/>
+            <a:ext cx="9144000" cy="4826000"/>
           </a:xfrm>
           <a:prstGeom prst="rect">
             <a:avLst/>
           </a:prstGeom>
           <a:noFill/>
+          <a:ln w="9525">
+            <a:noFill/>
+            <a:miter lim="800000"/>
+            <a:headEnd/>
+            <a:tailEnd/>
+          </a:ln>
         </p:spPr>
       </p:pic>
+      <p:sp>
+        <p:nvSpPr>
+          <p:cNvPr id="6" name="ZoneTexte 5"/>
+          <p:cNvSpPr txBox="1"/>
+          <p:nvPr/>
+        </p:nvSpPr>
+        <p:spPr>
+          <a:xfrm>
+            <a:off x="3419872" y="188640"/>
+            <a:ext cx="2635017" cy="461665"/>
+          </a:xfrm>
+          <a:prstGeom prst="rect">
+            <a:avLst/>
+          </a:prstGeom>
+          <a:noFill/>
+        </p:spPr>
+        <p:txBody>
+          <a:bodyPr wrap="none" rtlCol="0">
+            <a:spAutoFit/>
+          </a:bodyPr>
+          <a:lstStyle/>
+          <a:p>
+            <a:r>
+              <a:rPr lang="fr-FR" sz="2400" b="1" dirty="0" smtClean="0"/>
+              <a:t>RTP GANTT CHART </a:t>
+            </a:r>
+            <a:endParaRPr lang="fr-FR" sz="2400" b="1" dirty="0"/>
+          </a:p>
+        </p:txBody>
+      </p:sp>
     </p:spTree>
   </p:cSld>
   <p:clrMapOvr>
@@ -4349,7 +4532,7 @@
       </p:sp>
       <p:pic>
         <p:nvPicPr>
-          <p:cNvPr id="6146" name="Picture 2" descr="C:\Users\perso\Desktop\PrezRTP\RequestPath.drawio.png"/>
+          <p:cNvPr id="5122" name="Picture 2" descr="C:\Users\perso\Desktop\PrezRTP\ArchiDiagram.drawio.png"/>
           <p:cNvPicPr>
             <a:picLocks noChangeAspect="1" noChangeArrowheads="1"/>
           </p:cNvPicPr>
@@ -4364,8 +4547,8 @@
         </p:blipFill>
         <p:spPr bwMode="auto">
           <a:xfrm>
-            <a:off x="683568" y="476672"/>
-            <a:ext cx="7343775" cy="2676525"/>
+            <a:off x="755576" y="620688"/>
+            <a:ext cx="7677150" cy="4057650"/>
           </a:xfrm>
           <a:prstGeom prst="rect">
             <a:avLst/>
@@ -4424,7 +4607,7 @@
       </p:sp>
       <p:pic>
         <p:nvPicPr>
-          <p:cNvPr id="7170" name="Picture 2" descr="C:\Users\perso\Desktop\PrezRTP\DataManagerDiagram.drawio.png"/>
+          <p:cNvPr id="6146" name="Picture 2" descr="C:\Users\perso\Desktop\PrezRTP\RequestPath.drawio.png"/>
           <p:cNvPicPr>
             <a:picLocks noChangeAspect="1" noChangeArrowheads="1"/>
           </p:cNvPicPr>
@@ -4439,8 +4622,8 @@
         </p:blipFill>
         <p:spPr bwMode="auto">
           <a:xfrm>
-            <a:off x="899592" y="476672"/>
-            <a:ext cx="7524750" cy="4200525"/>
+            <a:off x="683568" y="476672"/>
+            <a:ext cx="7343775" cy="2676525"/>
           </a:xfrm>
           <a:prstGeom prst="rect">
             <a:avLst/>
@@ -4475,36 +4658,6 @@
       </p:grpSpPr>
       <p:sp>
         <p:nvSpPr>
-          <p:cNvPr id="2" name="Titre 1"/>
-          <p:cNvSpPr>
-            <a:spLocks noGrp="1"/>
-          </p:cNvSpPr>
-          <p:nvPr>
-            <p:ph type="title"/>
-          </p:nvPr>
-        </p:nvSpPr>
-        <p:spPr>
-          <a:xfrm>
-            <a:off x="457200" y="274638"/>
-            <a:ext cx="8229600" cy="418058"/>
-          </a:xfrm>
-        </p:spPr>
-        <p:txBody>
-          <a:bodyPr>
-            <a:normAutofit fontScale="90000"/>
-          </a:bodyPr>
-          <a:lstStyle/>
-          <a:p>
-            <a:r>
-              <a:rPr lang="fr-FR" dirty="0" smtClean="0"/>
-              <a:t>RTP DATABASE DIAGRAM</a:t>
-            </a:r>
-            <a:endParaRPr lang="fr-FR" dirty="0"/>
-          </a:p>
-        </p:txBody>
-      </p:sp>
-      <p:sp>
-        <p:nvSpPr>
           <p:cNvPr id="4" name="Espace réservé du numéro de diapositive 3"/>
           <p:cNvSpPr>
             <a:spLocks noGrp="1"/>
@@ -4529,13 +4682,11 @@
       </p:sp>
       <p:pic>
         <p:nvPicPr>
-          <p:cNvPr id="1027" name="Picture 3"/>
+          <p:cNvPr id="7170" name="Picture 2" descr="C:\Users\perso\Desktop\PrezRTP\DataManagerDiagram.drawio.png"/>
           <p:cNvPicPr>
-            <a:picLocks noGrp="1" noChangeAspect="1" noChangeArrowheads="1"/>
+            <a:picLocks noChangeAspect="1" noChangeArrowheads="1"/>
           </p:cNvPicPr>
-          <p:nvPr>
-            <p:ph idx="1"/>
-          </p:nvPr>
+          <p:nvPr/>
         </p:nvPicPr>
         <p:blipFill>
           <a:blip r:embed="rId2" cstate="print"/>
@@ -4546,20 +4697,13 @@
         </p:blipFill>
         <p:spPr bwMode="auto">
           <a:xfrm>
-            <a:off x="539552" y="908720"/>
-            <a:ext cx="7930254" cy="5505475"/>
+            <a:off x="899592" y="476672"/>
+            <a:ext cx="7524750" cy="4200525"/>
           </a:xfrm>
           <a:prstGeom prst="rect">
             <a:avLst/>
           </a:prstGeom>
           <a:noFill/>
-          <a:ln w="9525">
-            <a:noFill/>
-            <a:miter lim="800000"/>
-            <a:headEnd/>
-            <a:tailEnd/>
-          </a:ln>
-          <a:effectLst/>
         </p:spPr>
       </p:pic>
     </p:spTree>
